--- a/projet 7 .pptx
+++ b/projet 7 .pptx
@@ -19,9 +19,9 @@
     <p:sldId id="1014" r:id="rId10"/>
     <p:sldId id="955" r:id="rId11"/>
     <p:sldId id="939" r:id="rId12"/>
-    <p:sldId id="1025" r:id="rId13"/>
-    <p:sldId id="1029" r:id="rId14"/>
-    <p:sldId id="1026" r:id="rId15"/>
+    <p:sldId id="1029" r:id="rId13"/>
+    <p:sldId id="1026" r:id="rId14"/>
+    <p:sldId id="1030" r:id="rId15"/>
     <p:sldId id="1027" r:id="rId16"/>
     <p:sldId id="1022" r:id="rId17"/>
     <p:sldId id="1024" r:id="rId18"/>
@@ -3343,7 +3343,7 @@
           <a:p>
             <a:fld id="{066ADCEE-1874-4FF5-8F52-A50F10D0CBE0}" type="datetimeFigureOut">
               <a:rPr lang="fr-FR" smtClean="0"/>
-              <a:t>16/01/2022</a:t>
+              <a:t>18/01/2022</a:t>
             </a:fld>
             <a:endParaRPr lang="fr-FR"/>
           </a:p>
@@ -4666,7 +4666,7 @@
     </p:spTree>
     <p:extLst>
       <p:ext uri="{BB962C8B-B14F-4D97-AF65-F5344CB8AC3E}">
-        <p14:creationId xmlns:p14="http://schemas.microsoft.com/office/powerpoint/2010/main" val="2619669601"/>
+        <p14:creationId xmlns:p14="http://schemas.microsoft.com/office/powerpoint/2010/main" val="955422151"/>
       </p:ext>
     </p:extLst>
   </p:cSld>
@@ -4757,7 +4757,7 @@
     </p:spTree>
     <p:extLst>
       <p:ext uri="{BB962C8B-B14F-4D97-AF65-F5344CB8AC3E}">
-        <p14:creationId xmlns:p14="http://schemas.microsoft.com/office/powerpoint/2010/main" val="955422151"/>
+        <p14:creationId xmlns:p14="http://schemas.microsoft.com/office/powerpoint/2010/main" val="2874112842"/>
       </p:ext>
     </p:extLst>
   </p:cSld>
@@ -4848,7 +4848,7 @@
     </p:spTree>
     <p:extLst>
       <p:ext uri="{BB962C8B-B14F-4D97-AF65-F5344CB8AC3E}">
-        <p14:creationId xmlns:p14="http://schemas.microsoft.com/office/powerpoint/2010/main" val="2874112842"/>
+        <p14:creationId xmlns:p14="http://schemas.microsoft.com/office/powerpoint/2010/main" val="959031067"/>
       </p:ext>
     </p:extLst>
   </p:cSld>
@@ -5006,7 +5006,7 @@
             <a:fld id="{53FBF5D2-7E8C-43AB-8410-9C0126BEAA95}" type="datetimeFigureOut">
               <a:rPr lang="fr-FR" smtClean="0"/>
               <a:pPr/>
-              <a:t>16/01/2022</a:t>
+              <a:t>18/01/2022</a:t>
             </a:fld>
             <a:endParaRPr lang="fr-FR"/>
           </a:p>
@@ -5206,7 +5206,7 @@
             <a:fld id="{53FBF5D2-7E8C-43AB-8410-9C0126BEAA95}" type="datetimeFigureOut">
               <a:rPr lang="fr-FR" smtClean="0"/>
               <a:pPr/>
-              <a:t>16/01/2022</a:t>
+              <a:t>18/01/2022</a:t>
             </a:fld>
             <a:endParaRPr lang="fr-FR"/>
           </a:p>
@@ -5416,7 +5416,7 @@
             <a:fld id="{53FBF5D2-7E8C-43AB-8410-9C0126BEAA95}" type="datetimeFigureOut">
               <a:rPr lang="fr-FR" smtClean="0"/>
               <a:pPr/>
-              <a:t>16/01/2022</a:t>
+              <a:t>18/01/2022</a:t>
             </a:fld>
             <a:endParaRPr lang="fr-FR"/>
           </a:p>
@@ -5640,7 +5640,7 @@
             <a:fld id="{1661375A-C223-44C8-917C-F7C3A1BCD50F}" type="datetimeFigureOut">
               <a:rPr lang="en-GB" smtClean="0"/>
               <a:pPr/>
-              <a:t>16/01/2022</a:t>
+              <a:t>18/01/2022</a:t>
             </a:fld>
             <a:endParaRPr lang="en-GB"/>
           </a:p>
@@ -5842,7 +5842,7 @@
             <a:fld id="{1661375A-C223-44C8-917C-F7C3A1BCD50F}" type="datetimeFigureOut">
               <a:rPr lang="en-GB" smtClean="0"/>
               <a:pPr/>
-              <a:t>16/01/2022</a:t>
+              <a:t>18/01/2022</a:t>
             </a:fld>
             <a:endParaRPr lang="en-GB"/>
           </a:p>
@@ -6120,7 +6120,7 @@
             <a:fld id="{1661375A-C223-44C8-917C-F7C3A1BCD50F}" type="datetimeFigureOut">
               <a:rPr lang="en-GB" smtClean="0"/>
               <a:pPr/>
-              <a:t>16/01/2022</a:t>
+              <a:t>18/01/2022</a:t>
             </a:fld>
             <a:endParaRPr lang="en-GB"/>
           </a:p>
@@ -6390,7 +6390,7 @@
             <a:fld id="{1661375A-C223-44C8-917C-F7C3A1BCD50F}" type="datetimeFigureOut">
               <a:rPr lang="en-GB" smtClean="0"/>
               <a:pPr/>
-              <a:t>16/01/2022</a:t>
+              <a:t>18/01/2022</a:t>
             </a:fld>
             <a:endParaRPr lang="en-GB"/>
           </a:p>
@@ -6807,7 +6807,7 @@
             <a:fld id="{1661375A-C223-44C8-917C-F7C3A1BCD50F}" type="datetimeFigureOut">
               <a:rPr lang="en-GB" smtClean="0"/>
               <a:pPr/>
-              <a:t>16/01/2022</a:t>
+              <a:t>18/01/2022</a:t>
             </a:fld>
             <a:endParaRPr lang="en-GB"/>
           </a:p>
@@ -6951,7 +6951,7 @@
             <a:fld id="{1661375A-C223-44C8-917C-F7C3A1BCD50F}" type="datetimeFigureOut">
               <a:rPr lang="en-GB" smtClean="0"/>
               <a:pPr/>
-              <a:t>16/01/2022</a:t>
+              <a:t>18/01/2022</a:t>
             </a:fld>
             <a:endParaRPr lang="en-GB"/>
           </a:p>
@@ -7066,7 +7066,7 @@
             <a:fld id="{1661375A-C223-44C8-917C-F7C3A1BCD50F}" type="datetimeFigureOut">
               <a:rPr lang="en-GB" smtClean="0"/>
               <a:pPr/>
-              <a:t>16/01/2022</a:t>
+              <a:t>18/01/2022</a:t>
             </a:fld>
             <a:endParaRPr lang="en-GB"/>
           </a:p>
@@ -7381,7 +7381,7 @@
             <a:fld id="{1661375A-C223-44C8-917C-F7C3A1BCD50F}" type="datetimeFigureOut">
               <a:rPr lang="en-GB" smtClean="0"/>
               <a:pPr/>
-              <a:t>16/01/2022</a:t>
+              <a:t>18/01/2022</a:t>
             </a:fld>
             <a:endParaRPr lang="en-GB"/>
           </a:p>
@@ -7581,7 +7581,7 @@
             <a:fld id="{53FBF5D2-7E8C-43AB-8410-9C0126BEAA95}" type="datetimeFigureOut">
               <a:rPr lang="fr-FR" smtClean="0"/>
               <a:pPr/>
-              <a:t>16/01/2022</a:t>
+              <a:t>18/01/2022</a:t>
             </a:fld>
             <a:endParaRPr lang="fr-FR"/>
           </a:p>
@@ -7872,7 +7872,7 @@
             <a:fld id="{1661375A-C223-44C8-917C-F7C3A1BCD50F}" type="datetimeFigureOut">
               <a:rPr lang="en-GB" smtClean="0"/>
               <a:pPr/>
-              <a:t>16/01/2022</a:t>
+              <a:t>18/01/2022</a:t>
             </a:fld>
             <a:endParaRPr lang="en-GB"/>
           </a:p>
@@ -8074,7 +8074,7 @@
             <a:fld id="{1661375A-C223-44C8-917C-F7C3A1BCD50F}" type="datetimeFigureOut">
               <a:rPr lang="en-GB" smtClean="0"/>
               <a:pPr/>
-              <a:t>16/01/2022</a:t>
+              <a:t>18/01/2022</a:t>
             </a:fld>
             <a:endParaRPr lang="en-GB"/>
           </a:p>
@@ -8286,7 +8286,7 @@
             <a:fld id="{1661375A-C223-44C8-917C-F7C3A1BCD50F}" type="datetimeFigureOut">
               <a:rPr lang="en-GB" smtClean="0"/>
               <a:pPr/>
-              <a:t>16/01/2022</a:t>
+              <a:t>18/01/2022</a:t>
             </a:fld>
             <a:endParaRPr lang="en-GB"/>
           </a:p>
@@ -8563,7 +8563,7 @@
             <a:fld id="{53FBF5D2-7E8C-43AB-8410-9C0126BEAA95}" type="datetimeFigureOut">
               <a:rPr lang="fr-FR" smtClean="0"/>
               <a:pPr/>
-              <a:t>16/01/2022</a:t>
+              <a:t>18/01/2022</a:t>
             </a:fld>
             <a:endParaRPr lang="fr-FR"/>
           </a:p>
@@ -8830,7 +8830,7 @@
             <a:fld id="{53FBF5D2-7E8C-43AB-8410-9C0126BEAA95}" type="datetimeFigureOut">
               <a:rPr lang="fr-FR" smtClean="0"/>
               <a:pPr/>
-              <a:t>16/01/2022</a:t>
+              <a:t>18/01/2022</a:t>
             </a:fld>
             <a:endParaRPr lang="fr-FR"/>
           </a:p>
@@ -9244,7 +9244,7 @@
             <a:fld id="{53FBF5D2-7E8C-43AB-8410-9C0126BEAA95}" type="datetimeFigureOut">
               <a:rPr lang="fr-FR" smtClean="0"/>
               <a:pPr/>
-              <a:t>16/01/2022</a:t>
+              <a:t>18/01/2022</a:t>
             </a:fld>
             <a:endParaRPr lang="fr-FR"/>
           </a:p>
@@ -9387,7 +9387,7 @@
             <a:fld id="{53FBF5D2-7E8C-43AB-8410-9C0126BEAA95}" type="datetimeFigureOut">
               <a:rPr lang="fr-FR" smtClean="0"/>
               <a:pPr/>
-              <a:t>16/01/2022</a:t>
+              <a:t>18/01/2022</a:t>
             </a:fld>
             <a:endParaRPr lang="fr-FR"/>
           </a:p>
@@ -9502,7 +9502,7 @@
             <a:fld id="{53FBF5D2-7E8C-43AB-8410-9C0126BEAA95}" type="datetimeFigureOut">
               <a:rPr lang="fr-FR" smtClean="0"/>
               <a:pPr/>
-              <a:t>16/01/2022</a:t>
+              <a:t>18/01/2022</a:t>
             </a:fld>
             <a:endParaRPr lang="fr-FR"/>
           </a:p>
@@ -9815,7 +9815,7 @@
             <a:fld id="{53FBF5D2-7E8C-43AB-8410-9C0126BEAA95}" type="datetimeFigureOut">
               <a:rPr lang="fr-FR" smtClean="0"/>
               <a:pPr/>
-              <a:t>16/01/2022</a:t>
+              <a:t>18/01/2022</a:t>
             </a:fld>
             <a:endParaRPr lang="fr-FR"/>
           </a:p>
@@ -10105,7 +10105,7 @@
             <a:fld id="{53FBF5D2-7E8C-43AB-8410-9C0126BEAA95}" type="datetimeFigureOut">
               <a:rPr lang="fr-FR" smtClean="0"/>
               <a:pPr/>
-              <a:t>16/01/2022</a:t>
+              <a:t>18/01/2022</a:t>
             </a:fld>
             <a:endParaRPr lang="fr-FR"/>
           </a:p>
@@ -10348,7 +10348,7 @@
             <a:fld id="{53FBF5D2-7E8C-43AB-8410-9C0126BEAA95}" type="datetimeFigureOut">
               <a:rPr lang="fr-FR" smtClean="0"/>
               <a:pPr/>
-              <a:t>16/01/2022</a:t>
+              <a:t>18/01/2022</a:t>
             </a:fld>
             <a:endParaRPr lang="fr-FR"/>
           </a:p>
@@ -10920,7 +10920,7 @@
             <a:fld id="{1661375A-C223-44C8-917C-F7C3A1BCD50F}" type="datetimeFigureOut">
               <a:rPr lang="en-GB" smtClean="0"/>
               <a:pPr/>
-              <a:t>16/01/2022</a:t>
+              <a:t>18/01/2022</a:t>
             </a:fld>
             <a:endParaRPr lang="en-GB"/>
           </a:p>
@@ -11360,7 +11360,7 @@
         </p:nvSpPr>
         <p:spPr>
           <a:xfrm>
-            <a:off x="480631" y="1440685"/>
+            <a:off x="595350" y="2433752"/>
             <a:ext cx="11360270" cy="1384995"/>
           </a:xfrm>
           <a:prstGeom prst="rect">
@@ -12191,49 +12191,6 @@
           </a:p>
         </p:txBody>
       </p:sp>
-      <p:pic>
-        <p:nvPicPr>
-          <p:cNvPr id="4" name="Image 3">
-            <a:extLst>
-              <a:ext uri="{FF2B5EF4-FFF2-40B4-BE49-F238E27FC236}">
-                <a16:creationId xmlns:a16="http://schemas.microsoft.com/office/drawing/2014/main" id="{4187B717-6B27-44CB-9530-C54D97537B2E}"/>
-              </a:ext>
-            </a:extLst>
-          </p:cNvPr>
-          <p:cNvPicPr>
-            <a:picLocks noChangeAspect="1"/>
-          </p:cNvPicPr>
-          <p:nvPr/>
-        </p:nvPicPr>
-        <p:blipFill>
-          <a:blip r:embed="rId3" cstate="print">
-            <a:duotone>
-              <a:schemeClr val="accent2">
-                <a:shade val="45000"/>
-                <a:satMod val="135000"/>
-              </a:schemeClr>
-              <a:prstClr val="white"/>
-            </a:duotone>
-            <a:extLst>
-              <a:ext uri="{28A0092B-C50C-407E-A947-70E740481C1C}">
-                <a14:useLocalDpi xmlns:a14="http://schemas.microsoft.com/office/drawing/2010/main" val="0"/>
-              </a:ext>
-            </a:extLst>
-          </a:blip>
-          <a:stretch>
-            <a:fillRect/>
-          </a:stretch>
-        </p:blipFill>
-        <p:spPr>
-          <a:xfrm>
-            <a:off x="9031594" y="2571373"/>
-            <a:ext cx="2931806" cy="2931806"/>
-          </a:xfrm>
-          <a:prstGeom prst="rect">
-            <a:avLst/>
-          </a:prstGeom>
-        </p:spPr>
-      </p:pic>
       <p:sp>
         <p:nvSpPr>
           <p:cNvPr id="3" name="ZoneTexte 2"/>
@@ -12329,7 +12286,7 @@
           <p:nvPr/>
         </p:nvPicPr>
         <p:blipFill>
-          <a:blip r:embed="rId4" cstate="print">
+          <a:blip r:embed="rId3" cstate="print">
             <a:extLst>
               <a:ext uri="{28A0092B-C50C-407E-A947-70E740481C1C}">
                 <a14:useLocalDpi xmlns:a14="http://schemas.microsoft.com/office/drawing/2010/main" val="0"/>
@@ -13072,7 +13029,7 @@
         <p:spPr>
           <a:xfrm>
             <a:off x="224180" y="114654"/>
-            <a:ext cx="8983988" cy="1446550"/>
+            <a:ext cx="8983988" cy="769441"/>
           </a:xfrm>
           <a:prstGeom prst="rect">
             <a:avLst/>
@@ -13097,7 +13054,7 @@
                 <a:ea typeface="Noto Sans" panose="020B0502040504020204" pitchFamily="34"/>
                 <a:cs typeface="Noto Sans" panose="020B0502040504020204" pitchFamily="34"/>
               </a:rPr>
-              <a:t>OPTIMISAION DES HYPERPARAMETRES</a:t>
+              <a:t>CHOIX DE L’ALGORITHME</a:t>
             </a:r>
             <a:endParaRPr lang="en-US" sz="4400" dirty="0">
               <a:solidFill>
@@ -13106,48 +13063,6 @@
               <a:latin typeface="Noto Sans" panose="020B0502040504020204" pitchFamily="34"/>
               <a:ea typeface="Noto Sans" panose="020B0502040504020204" pitchFamily="34"/>
               <a:cs typeface="Noto Sans" panose="020B0502040504020204" pitchFamily="34"/>
-            </a:endParaRPr>
-          </a:p>
-        </p:txBody>
-      </p:sp>
-      <p:sp>
-        <p:nvSpPr>
-          <p:cNvPr id="2" name="ZoneTexte 1"/>
-          <p:cNvSpPr txBox="1"/>
-          <p:nvPr/>
-        </p:nvSpPr>
-        <p:spPr>
-          <a:xfrm>
-            <a:off x="1061857" y="3636461"/>
-            <a:ext cx="2796791" cy="584775"/>
-          </a:xfrm>
-          <a:prstGeom prst="rect">
-            <a:avLst/>
-          </a:prstGeom>
-          <a:noFill/>
-        </p:spPr>
-        <p:txBody>
-          <a:bodyPr wrap="none" rtlCol="0">
-            <a:spAutoFit/>
-          </a:bodyPr>
-          <a:lstStyle/>
-          <a:p>
-            <a:pPr marL="285750" indent="-285750">
-              <a:buFont typeface="Arial" panose="020B0604020202020204" pitchFamily="34" charset="0"/>
-              <a:buChar char="•"/>
-            </a:pPr>
-            <a:r>
-              <a:rPr lang="fr-FR" sz="3200" dirty="0" err="1">
-                <a:solidFill>
-                  <a:schemeClr val="bg1"/>
-                </a:solidFill>
-              </a:rPr>
-              <a:t>Préprocessing</a:t>
-            </a:r>
-            <a:endParaRPr lang="fr-FR" sz="3200" dirty="0">
-              <a:solidFill>
-                <a:schemeClr val="bg1"/>
-              </a:solidFill>
             </a:endParaRPr>
           </a:p>
         </p:txBody>
@@ -13354,10 +13269,211 @@
           </a:p>
         </p:txBody>
       </p:sp>
+      <p:sp>
+        <p:nvSpPr>
+          <p:cNvPr id="7" name="ZoneTexte 6">
+            <a:extLst>
+              <a:ext uri="{FF2B5EF4-FFF2-40B4-BE49-F238E27FC236}">
+                <a16:creationId xmlns:a16="http://schemas.microsoft.com/office/drawing/2014/main" id="{B4A83E83-1B2C-4D66-9EFC-A97695F80910}"/>
+              </a:ext>
+            </a:extLst>
+          </p:cNvPr>
+          <p:cNvSpPr txBox="1"/>
+          <p:nvPr/>
+        </p:nvSpPr>
+        <p:spPr>
+          <a:xfrm>
+            <a:off x="483960" y="827751"/>
+            <a:ext cx="2383666" cy="584775"/>
+          </a:xfrm>
+          <a:prstGeom prst="rect">
+            <a:avLst/>
+          </a:prstGeom>
+          <a:noFill/>
+        </p:spPr>
+        <p:txBody>
+          <a:bodyPr wrap="none" rtlCol="0">
+            <a:spAutoFit/>
+          </a:bodyPr>
+          <a:lstStyle/>
+          <a:p>
+            <a:pPr marL="285750" indent="-285750">
+              <a:buFont typeface="Arial" panose="020B0604020202020204" pitchFamily="34" charset="0"/>
+              <a:buChar char="•"/>
+            </a:pPr>
+            <a:r>
+              <a:rPr lang="fr-FR" sz="3200" dirty="0">
+                <a:solidFill>
+                  <a:schemeClr val="bg1"/>
+                </a:solidFill>
+              </a:rPr>
+              <a:t>Via </a:t>
+            </a:r>
+            <a:r>
+              <a:rPr lang="fr-FR" sz="3200" dirty="0" err="1">
+                <a:solidFill>
+                  <a:schemeClr val="bg1"/>
+                </a:solidFill>
+              </a:rPr>
+              <a:t>PyCaret</a:t>
+            </a:r>
+            <a:endParaRPr lang="fr-FR" sz="3200" dirty="0">
+              <a:solidFill>
+                <a:schemeClr val="bg1"/>
+              </a:solidFill>
+            </a:endParaRPr>
+          </a:p>
+        </p:txBody>
+      </p:sp>
+      <p:pic>
+        <p:nvPicPr>
+          <p:cNvPr id="10" name="Image 9">
+            <a:extLst>
+              <a:ext uri="{FF2B5EF4-FFF2-40B4-BE49-F238E27FC236}">
+                <a16:creationId xmlns:a16="http://schemas.microsoft.com/office/drawing/2014/main" id="{272F67DA-FA91-49EA-8B3F-AF03A901A986}"/>
+              </a:ext>
+            </a:extLst>
+          </p:cNvPr>
+          <p:cNvPicPr>
+            <a:picLocks noChangeAspect="1"/>
+          </p:cNvPicPr>
+          <p:nvPr/>
+        </p:nvPicPr>
+        <p:blipFill>
+          <a:blip r:embed="rId3">
+            <a:extLst>
+              <a:ext uri="{28A0092B-C50C-407E-A947-70E740481C1C}">
+                <a14:useLocalDpi xmlns:a14="http://schemas.microsoft.com/office/drawing/2010/main" val="0"/>
+              </a:ext>
+            </a:extLst>
+          </a:blip>
+          <a:stretch>
+            <a:fillRect/>
+          </a:stretch>
+        </p:blipFill>
+        <p:spPr>
+          <a:xfrm>
+            <a:off x="2334588" y="3028609"/>
+            <a:ext cx="7522824" cy="2287670"/>
+          </a:xfrm>
+          <a:prstGeom prst="rect">
+            <a:avLst/>
+          </a:prstGeom>
+        </p:spPr>
+      </p:pic>
+      <p:sp>
+        <p:nvSpPr>
+          <p:cNvPr id="11" name="ZoneTexte 10">
+            <a:extLst>
+              <a:ext uri="{FF2B5EF4-FFF2-40B4-BE49-F238E27FC236}">
+                <a16:creationId xmlns:a16="http://schemas.microsoft.com/office/drawing/2014/main" id="{6D45C6CE-8385-4FBC-B765-3C44E9F65510}"/>
+              </a:ext>
+            </a:extLst>
+          </p:cNvPr>
+          <p:cNvSpPr txBox="1"/>
+          <p:nvPr/>
+        </p:nvSpPr>
+        <p:spPr>
+          <a:xfrm>
+            <a:off x="483960" y="1853847"/>
+            <a:ext cx="10744021" cy="646331"/>
+          </a:xfrm>
+          <a:prstGeom prst="rect">
+            <a:avLst/>
+          </a:prstGeom>
+          <a:noFill/>
+        </p:spPr>
+        <p:txBody>
+          <a:bodyPr wrap="square">
+            <a:spAutoFit/>
+          </a:bodyPr>
+          <a:lstStyle/>
+          <a:p>
+            <a:pPr algn="l"/>
+            <a:r>
+              <a:rPr lang="fr-FR" sz="1800" b="1" i="0" u="none" strike="noStrike" baseline="0" dirty="0" err="1">
+                <a:solidFill>
+                  <a:srgbClr val="F56524"/>
+                </a:solidFill>
+                <a:latin typeface="Arial-BoldMT"/>
+              </a:rPr>
+              <a:t>Boosting</a:t>
+            </a:r>
+            <a:r>
+              <a:rPr lang="fr-FR" sz="1800" b="1" i="0" u="none" strike="noStrike" baseline="0" dirty="0">
+                <a:solidFill>
+                  <a:srgbClr val="F56524"/>
+                </a:solidFill>
+                <a:latin typeface="Arial-BoldMT"/>
+              </a:rPr>
+              <a:t> de Gradient </a:t>
+            </a:r>
+            <a:r>
+              <a:rPr lang="fr-FR" sz="1800" b="0" i="0" u="none" strike="noStrike" baseline="0" dirty="0">
+                <a:solidFill>
+                  <a:schemeClr val="bg1"/>
+                </a:solidFill>
+                <a:latin typeface="ArialMT"/>
+              </a:rPr>
+              <a:t>algorithme d’apprentissage supervisé. Combiner les résultats d’un ensemble de modèles simples. </a:t>
+            </a:r>
+            <a:r>
+              <a:rPr lang="en-US" sz="1800" b="0" i="0" u="none" strike="noStrike" baseline="0" dirty="0">
+                <a:solidFill>
+                  <a:schemeClr val="bg1"/>
+                </a:solidFill>
+                <a:latin typeface="ArialMT"/>
+              </a:rPr>
+              <a:t>Principe </a:t>
+            </a:r>
+            <a:r>
+              <a:rPr lang="en-US" sz="1800" b="0" i="0" u="none" strike="noStrike" baseline="0" dirty="0" err="1">
+                <a:solidFill>
+                  <a:schemeClr val="bg1"/>
+                </a:solidFill>
+                <a:latin typeface="ArialMT"/>
+              </a:rPr>
+              <a:t>d’auto-amélioration</a:t>
+            </a:r>
+            <a:r>
+              <a:rPr lang="en-US" sz="1800" b="0" i="0" u="none" strike="noStrike" baseline="0" dirty="0">
+                <a:solidFill>
+                  <a:schemeClr val="bg1"/>
+                </a:solidFill>
+                <a:latin typeface="ArialMT"/>
+              </a:rPr>
+              <a:t> </a:t>
+            </a:r>
+            <a:r>
+              <a:rPr lang="en-US" sz="1800" b="0" i="0" u="none" strike="noStrike" baseline="0" dirty="0" err="1">
+                <a:solidFill>
+                  <a:schemeClr val="bg1"/>
+                </a:solidFill>
+                <a:latin typeface="ArialMT"/>
+              </a:rPr>
+              <a:t>séquentielle</a:t>
+            </a:r>
+            <a:r>
+              <a:rPr lang="en-US" sz="1800" b="0" i="0" u="none" strike="noStrike" baseline="0" dirty="0">
+                <a:solidFill>
+                  <a:schemeClr val="bg1"/>
+                </a:solidFill>
+                <a:latin typeface="ArialMT"/>
+              </a:rPr>
+              <a:t>.</a:t>
+            </a:r>
+            <a:endParaRPr lang="en-US" dirty="0">
+              <a:solidFill>
+                <a:schemeClr val="bg1"/>
+              </a:solidFill>
+            </a:endParaRPr>
+          </a:p>
+        </p:txBody>
+      </p:sp>
     </p:spTree>
     <p:extLst>
       <p:ext uri="{BB962C8B-B14F-4D97-AF65-F5344CB8AC3E}">
-        <p14:creationId xmlns:p14="http://schemas.microsoft.com/office/powerpoint/2010/main" val="2742235315"/>
+        <p14:creationId xmlns:p14="http://schemas.microsoft.com/office/powerpoint/2010/main" val="4165341198"/>
       </p:ext>
     </p:extLst>
   </p:cSld>
@@ -13526,7 +13642,7 @@
                 <a:ea typeface="Noto Sans" panose="020B0502040504020204" pitchFamily="34"/>
                 <a:cs typeface="Noto Sans" panose="020B0502040504020204" pitchFamily="34"/>
               </a:rPr>
-              <a:t>CHOIX DE L’ALGORITHME</a:t>
+              <a:t>METRIQUE D’ EVALUTION</a:t>
             </a:r>
             <a:endParaRPr lang="en-US" sz="4400" dirty="0">
               <a:solidFill>
@@ -13535,48 +13651,6 @@
               <a:latin typeface="Noto Sans" panose="020B0502040504020204" pitchFamily="34"/>
               <a:ea typeface="Noto Sans" panose="020B0502040504020204" pitchFamily="34"/>
               <a:cs typeface="Noto Sans" panose="020B0502040504020204" pitchFamily="34"/>
-            </a:endParaRPr>
-          </a:p>
-        </p:txBody>
-      </p:sp>
-      <p:sp>
-        <p:nvSpPr>
-          <p:cNvPr id="2" name="ZoneTexte 1"/>
-          <p:cNvSpPr txBox="1"/>
-          <p:nvPr/>
-        </p:nvSpPr>
-        <p:spPr>
-          <a:xfrm>
-            <a:off x="1061857" y="3636461"/>
-            <a:ext cx="2796791" cy="584775"/>
-          </a:xfrm>
-          <a:prstGeom prst="rect">
-            <a:avLst/>
-          </a:prstGeom>
-          <a:noFill/>
-        </p:spPr>
-        <p:txBody>
-          <a:bodyPr wrap="none" rtlCol="0">
-            <a:spAutoFit/>
-          </a:bodyPr>
-          <a:lstStyle/>
-          <a:p>
-            <a:pPr marL="285750" indent="-285750">
-              <a:buFont typeface="Arial" panose="020B0604020202020204" pitchFamily="34" charset="0"/>
-              <a:buChar char="•"/>
-            </a:pPr>
-            <a:r>
-              <a:rPr lang="fr-FR" sz="3200" dirty="0" err="1">
-                <a:solidFill>
-                  <a:schemeClr val="bg1"/>
-                </a:solidFill>
-              </a:rPr>
-              <a:t>Préprocessing</a:t>
-            </a:r>
-            <a:endParaRPr lang="fr-FR" sz="3200" dirty="0">
-              <a:solidFill>
-                <a:schemeClr val="bg1"/>
-              </a:solidFill>
             </a:endParaRPr>
           </a:p>
         </p:txBody>
@@ -13783,10 +13857,113 @@
           </a:p>
         </p:txBody>
       </p:sp>
+      <p:pic>
+        <p:nvPicPr>
+          <p:cNvPr id="11" name="Image 10">
+            <a:extLst>
+              <a:ext uri="{FF2B5EF4-FFF2-40B4-BE49-F238E27FC236}">
+                <a16:creationId xmlns:a16="http://schemas.microsoft.com/office/drawing/2014/main" id="{4AE0D43E-FA3F-4EF5-A8D5-5AB8496EEBEA}"/>
+              </a:ext>
+            </a:extLst>
+          </p:cNvPr>
+          <p:cNvPicPr>
+            <a:picLocks noChangeAspect="1"/>
+          </p:cNvPicPr>
+          <p:nvPr/>
+        </p:nvPicPr>
+        <p:blipFill>
+          <a:blip r:embed="rId3"/>
+          <a:stretch>
+            <a:fillRect/>
+          </a:stretch>
+        </p:blipFill>
+        <p:spPr>
+          <a:xfrm>
+            <a:off x="1009948" y="2125623"/>
+            <a:ext cx="4825274" cy="3287260"/>
+          </a:xfrm>
+          <a:prstGeom prst="rect">
+            <a:avLst/>
+          </a:prstGeom>
+        </p:spPr>
+      </p:pic>
+      <p:sp>
+        <p:nvSpPr>
+          <p:cNvPr id="12" name="ZoneTexte 11">
+            <a:extLst>
+              <a:ext uri="{FF2B5EF4-FFF2-40B4-BE49-F238E27FC236}">
+                <a16:creationId xmlns:a16="http://schemas.microsoft.com/office/drawing/2014/main" id="{99F7A9F2-54D8-4332-B1FF-3B77501083AF}"/>
+              </a:ext>
+            </a:extLst>
+          </p:cNvPr>
+          <p:cNvSpPr txBox="1"/>
+          <p:nvPr/>
+        </p:nvSpPr>
+        <p:spPr>
+          <a:xfrm>
+            <a:off x="483960" y="827751"/>
+            <a:ext cx="2938625" cy="584775"/>
+          </a:xfrm>
+          <a:prstGeom prst="rect">
+            <a:avLst/>
+          </a:prstGeom>
+          <a:noFill/>
+        </p:spPr>
+        <p:txBody>
+          <a:bodyPr wrap="none" rtlCol="0">
+            <a:spAutoFit/>
+          </a:bodyPr>
+          <a:lstStyle/>
+          <a:p>
+            <a:pPr marL="285750" indent="-285750">
+              <a:buFont typeface="Arial" panose="020B0604020202020204" pitchFamily="34" charset="0"/>
+              <a:buChar char="•"/>
+            </a:pPr>
+            <a:r>
+              <a:rPr lang="fr-FR" sz="3200" dirty="0">
+                <a:solidFill>
+                  <a:schemeClr val="bg1"/>
+                </a:solidFill>
+              </a:rPr>
+              <a:t>Model de base</a:t>
+            </a:r>
+          </a:p>
+        </p:txBody>
+      </p:sp>
+      <p:pic>
+        <p:nvPicPr>
+          <p:cNvPr id="5" name="Image 4">
+            <a:extLst>
+              <a:ext uri="{FF2B5EF4-FFF2-40B4-BE49-F238E27FC236}">
+                <a16:creationId xmlns:a16="http://schemas.microsoft.com/office/drawing/2014/main" id="{E9F2D110-CD4D-4BAD-8A22-359AC02FF896}"/>
+              </a:ext>
+            </a:extLst>
+          </p:cNvPr>
+          <p:cNvPicPr>
+            <a:picLocks noChangeAspect="1"/>
+          </p:cNvPicPr>
+          <p:nvPr/>
+        </p:nvPicPr>
+        <p:blipFill>
+          <a:blip r:embed="rId4"/>
+          <a:stretch>
+            <a:fillRect/>
+          </a:stretch>
+        </p:blipFill>
+        <p:spPr>
+          <a:xfrm>
+            <a:off x="6749106" y="1806646"/>
+            <a:ext cx="4294617" cy="4302644"/>
+          </a:xfrm>
+          <a:prstGeom prst="rect">
+            <a:avLst/>
+          </a:prstGeom>
+        </p:spPr>
+      </p:pic>
     </p:spTree>
     <p:extLst>
       <p:ext uri="{BB962C8B-B14F-4D97-AF65-F5344CB8AC3E}">
-        <p14:creationId xmlns:p14="http://schemas.microsoft.com/office/powerpoint/2010/main" val="4165341198"/>
+        <p14:creationId xmlns:p14="http://schemas.microsoft.com/office/powerpoint/2010/main" val="3089296048"/>
       </p:ext>
     </p:extLst>
   </p:cSld>
@@ -13964,48 +14141,6 @@
               <a:latin typeface="Noto Sans" panose="020B0502040504020204" pitchFamily="34"/>
               <a:ea typeface="Noto Sans" panose="020B0502040504020204" pitchFamily="34"/>
               <a:cs typeface="Noto Sans" panose="020B0502040504020204" pitchFamily="34"/>
-            </a:endParaRPr>
-          </a:p>
-        </p:txBody>
-      </p:sp>
-      <p:sp>
-        <p:nvSpPr>
-          <p:cNvPr id="2" name="ZoneTexte 1"/>
-          <p:cNvSpPr txBox="1"/>
-          <p:nvPr/>
-        </p:nvSpPr>
-        <p:spPr>
-          <a:xfrm>
-            <a:off x="1061857" y="3636461"/>
-            <a:ext cx="2796791" cy="584775"/>
-          </a:xfrm>
-          <a:prstGeom prst="rect">
-            <a:avLst/>
-          </a:prstGeom>
-          <a:noFill/>
-        </p:spPr>
-        <p:txBody>
-          <a:bodyPr wrap="none" rtlCol="0">
-            <a:spAutoFit/>
-          </a:bodyPr>
-          <a:lstStyle/>
-          <a:p>
-            <a:pPr marL="285750" indent="-285750">
-              <a:buFont typeface="Arial" panose="020B0604020202020204" pitchFamily="34" charset="0"/>
-              <a:buChar char="•"/>
-            </a:pPr>
-            <a:r>
-              <a:rPr lang="fr-FR" sz="3200" dirty="0" err="1">
-                <a:solidFill>
-                  <a:schemeClr val="bg1"/>
-                </a:solidFill>
-              </a:rPr>
-              <a:t>Préprocessing</a:t>
-            </a:r>
-            <a:endParaRPr lang="fr-FR" sz="3200" dirty="0">
-              <a:solidFill>
-                <a:schemeClr val="bg1"/>
-              </a:solidFill>
             </a:endParaRPr>
           </a:p>
         </p:txBody>
@@ -14212,10 +14347,114 @@
           </a:p>
         </p:txBody>
       </p:sp>
+      <p:pic>
+        <p:nvPicPr>
+          <p:cNvPr id="10" name="image13.jpeg">
+            <a:extLst>
+              <a:ext uri="{FF2B5EF4-FFF2-40B4-BE49-F238E27FC236}">
+                <a16:creationId xmlns:a16="http://schemas.microsoft.com/office/drawing/2014/main" id="{0791C80B-0FD3-4FD3-BA46-EC6E1FD08919}"/>
+              </a:ext>
+            </a:extLst>
+          </p:cNvPr>
+          <p:cNvPicPr>
+            <a:picLocks noChangeAspect="1"/>
+          </p:cNvPicPr>
+          <p:nvPr/>
+        </p:nvPicPr>
+        <p:blipFill>
+          <a:blip r:embed="rId3" cstate="print"/>
+          <a:stretch>
+            <a:fillRect/>
+          </a:stretch>
+        </p:blipFill>
+        <p:spPr>
+          <a:xfrm>
+            <a:off x="7158183" y="3338342"/>
+            <a:ext cx="3293621" cy="2590331"/>
+          </a:xfrm>
+          <a:prstGeom prst="rect">
+            <a:avLst/>
+          </a:prstGeom>
+        </p:spPr>
+      </p:pic>
+      <p:sp>
+        <p:nvSpPr>
+          <p:cNvPr id="3" name="Rectangle : coins arrondis 2">
+            <a:extLst>
+              <a:ext uri="{FF2B5EF4-FFF2-40B4-BE49-F238E27FC236}">
+                <a16:creationId xmlns:a16="http://schemas.microsoft.com/office/drawing/2014/main" id="{9E0D88C8-C7D1-4835-984F-BDB978F00F85}"/>
+              </a:ext>
+            </a:extLst>
+          </p:cNvPr>
+          <p:cNvSpPr/>
+          <p:nvPr/>
+        </p:nvSpPr>
+        <p:spPr>
+          <a:xfrm>
+            <a:off x="2481381" y="1121736"/>
+            <a:ext cx="7229238" cy="1605516"/>
+          </a:xfrm>
+          <a:prstGeom prst="roundRect">
+            <a:avLst/>
+          </a:prstGeom>
+          <a:noFill/>
+          <a:ln>
+            <a:solidFill>
+              <a:schemeClr val="accent3">
+                <a:lumMod val="40000"/>
+                <a:lumOff val="60000"/>
+              </a:schemeClr>
+            </a:solidFill>
+          </a:ln>
+        </p:spPr>
+        <p:style>
+          <a:lnRef idx="2">
+            <a:schemeClr val="accent1">
+              <a:shade val="50000"/>
+            </a:schemeClr>
+          </a:lnRef>
+          <a:fillRef idx="1">
+            <a:schemeClr val="accent1"/>
+          </a:fillRef>
+          <a:effectRef idx="0">
+            <a:schemeClr val="accent1"/>
+          </a:effectRef>
+          <a:fontRef idx="minor">
+            <a:schemeClr val="lt1"/>
+          </a:fontRef>
+        </p:style>
+        <p:txBody>
+          <a:bodyPr rtlCol="0" anchor="ctr"/>
+          <a:lstStyle/>
+          <a:p>
+            <a:pPr algn="ctr"/>
+            <a:r>
+              <a:rPr lang="fr-FR" dirty="0"/>
+              <a:t>Amélioration de la métrique et pénalisation des erreurs FP et FN.</a:t>
+            </a:r>
+          </a:p>
+          <a:p>
+            <a:pPr algn="ctr"/>
+            <a:r>
+              <a:rPr lang="fr-FR" dirty="0"/>
+              <a:t>Meilleures performances </a:t>
+            </a:r>
+            <a:r>
+              <a:rPr lang="fr-FR" dirty="0" err="1"/>
+              <a:t>LightGBM</a:t>
+            </a:r>
+            <a:r>
+              <a:rPr lang="fr-FR" dirty="0"/>
+              <a:t>.</a:t>
+            </a:r>
+            <a:endParaRPr lang="en-US" dirty="0"/>
+          </a:p>
+        </p:txBody>
+      </p:sp>
     </p:spTree>
     <p:extLst>
       <p:ext uri="{BB962C8B-B14F-4D97-AF65-F5344CB8AC3E}">
-        <p14:creationId xmlns:p14="http://schemas.microsoft.com/office/powerpoint/2010/main" val="3089296048"/>
+        <p14:creationId xmlns:p14="http://schemas.microsoft.com/office/powerpoint/2010/main" val="1046385154"/>
       </p:ext>
     </p:extLst>
   </p:cSld>
@@ -14393,48 +14632,6 @@
               <a:latin typeface="Noto Sans" panose="020B0502040504020204" pitchFamily="34"/>
               <a:ea typeface="Noto Sans" panose="020B0502040504020204" pitchFamily="34"/>
               <a:cs typeface="Noto Sans" panose="020B0502040504020204" pitchFamily="34"/>
-            </a:endParaRPr>
-          </a:p>
-        </p:txBody>
-      </p:sp>
-      <p:sp>
-        <p:nvSpPr>
-          <p:cNvPr id="2" name="ZoneTexte 1"/>
-          <p:cNvSpPr txBox="1"/>
-          <p:nvPr/>
-        </p:nvSpPr>
-        <p:spPr>
-          <a:xfrm>
-            <a:off x="1061857" y="3636461"/>
-            <a:ext cx="2796791" cy="584775"/>
-          </a:xfrm>
-          <a:prstGeom prst="rect">
-            <a:avLst/>
-          </a:prstGeom>
-          <a:noFill/>
-        </p:spPr>
-        <p:txBody>
-          <a:bodyPr wrap="none" rtlCol="0">
-            <a:spAutoFit/>
-          </a:bodyPr>
-          <a:lstStyle/>
-          <a:p>
-            <a:pPr marL="285750" indent="-285750">
-              <a:buFont typeface="Arial" panose="020B0604020202020204" pitchFamily="34" charset="0"/>
-              <a:buChar char="•"/>
-            </a:pPr>
-            <a:r>
-              <a:rPr lang="fr-FR" sz="3200" dirty="0" err="1">
-                <a:solidFill>
-                  <a:schemeClr val="bg1"/>
-                </a:solidFill>
-              </a:rPr>
-              <a:t>Préprocessing</a:t>
-            </a:r>
-            <a:endParaRPr lang="fr-FR" sz="3200" dirty="0">
-              <a:solidFill>
-                <a:schemeClr val="bg1"/>
-              </a:solidFill>
             </a:endParaRPr>
           </a:p>
         </p:txBody>
@@ -14641,6 +14838,71 @@
           </a:p>
         </p:txBody>
       </p:sp>
+      <p:pic>
+        <p:nvPicPr>
+          <p:cNvPr id="4" name="Image 3">
+            <a:extLst>
+              <a:ext uri="{FF2B5EF4-FFF2-40B4-BE49-F238E27FC236}">
+                <a16:creationId xmlns:a16="http://schemas.microsoft.com/office/drawing/2014/main" id="{F3A7CB91-9E07-4EB5-8594-BE290332A738}"/>
+              </a:ext>
+            </a:extLst>
+          </p:cNvPr>
+          <p:cNvPicPr>
+            <a:picLocks noChangeAspect="1"/>
+          </p:cNvPicPr>
+          <p:nvPr/>
+        </p:nvPicPr>
+        <p:blipFill rotWithShape="1">
+          <a:blip r:embed="rId3">
+            <a:extLst>
+              <a:ext uri="{28A0092B-C50C-407E-A947-70E740481C1C}">
+                <a14:useLocalDpi xmlns:a14="http://schemas.microsoft.com/office/drawing/2010/main" val="0"/>
+              </a:ext>
+            </a:extLst>
+          </a:blip>
+          <a:srcRect b="775"/>
+          <a:stretch/>
+        </p:blipFill>
+        <p:spPr>
+          <a:xfrm>
+            <a:off x="3882224" y="1105785"/>
+            <a:ext cx="4427551" cy="5478072"/>
+          </a:xfrm>
+          <a:prstGeom prst="rect">
+            <a:avLst/>
+          </a:prstGeom>
+          <a:solidFill>
+            <a:srgbClr val="FFFFFF">
+              <a:shade val="85000"/>
+            </a:srgbClr>
+          </a:solidFill>
+          <a:ln w="88900" cap="sq">
+            <a:solidFill>
+              <a:srgbClr val="FFFFFF"/>
+            </a:solidFill>
+            <a:miter lim="800000"/>
+          </a:ln>
+          <a:effectLst>
+            <a:outerShdw blurRad="55000" dist="18000" dir="5400000" algn="tl" rotWithShape="0">
+              <a:srgbClr val="000000">
+                <a:alpha val="40000"/>
+              </a:srgbClr>
+            </a:outerShdw>
+          </a:effectLst>
+          <a:scene3d>
+            <a:camera prst="orthographicFront"/>
+            <a:lightRig rig="twoPt" dir="t">
+              <a:rot lat="0" lon="0" rev="7200000"/>
+            </a:lightRig>
+          </a:scene3d>
+          <a:sp3d>
+            <a:bevelT w="25400" h="19050"/>
+            <a:contourClr>
+              <a:srgbClr val="FFFFFF"/>
+            </a:contourClr>
+          </a:sp3d>
+        </p:spPr>
+      </p:pic>
     </p:spTree>
     <p:extLst>
       <p:ext uri="{BB962C8B-B14F-4D97-AF65-F5344CB8AC3E}">
@@ -17326,48 +17588,6 @@
               <a:latin typeface="Noto Sans" panose="020B0502040504020204" pitchFamily="34"/>
               <a:ea typeface="Noto Sans" panose="020B0502040504020204" pitchFamily="34"/>
               <a:cs typeface="Noto Sans" panose="020B0502040504020204" pitchFamily="34"/>
-            </a:endParaRPr>
-          </a:p>
-        </p:txBody>
-      </p:sp>
-      <p:sp>
-        <p:nvSpPr>
-          <p:cNvPr id="2" name="ZoneTexte 1"/>
-          <p:cNvSpPr txBox="1"/>
-          <p:nvPr/>
-        </p:nvSpPr>
-        <p:spPr>
-          <a:xfrm>
-            <a:off x="1061857" y="3636461"/>
-            <a:ext cx="2796791" cy="584775"/>
-          </a:xfrm>
-          <a:prstGeom prst="rect">
-            <a:avLst/>
-          </a:prstGeom>
-          <a:noFill/>
-        </p:spPr>
-        <p:txBody>
-          <a:bodyPr wrap="none" rtlCol="0">
-            <a:spAutoFit/>
-          </a:bodyPr>
-          <a:lstStyle/>
-          <a:p>
-            <a:pPr marL="285750" indent="-285750">
-              <a:buFont typeface="Arial" panose="020B0604020202020204" pitchFamily="34" charset="0"/>
-              <a:buChar char="•"/>
-            </a:pPr>
-            <a:r>
-              <a:rPr lang="fr-FR" sz="3200" dirty="0" err="1">
-                <a:solidFill>
-                  <a:schemeClr val="bg1"/>
-                </a:solidFill>
-              </a:rPr>
-              <a:t>Préprocessing</a:t>
-            </a:r>
-            <a:endParaRPr lang="fr-FR" sz="3200" dirty="0">
-              <a:solidFill>
-                <a:schemeClr val="bg1"/>
-              </a:solidFill>
             </a:endParaRPr>
           </a:p>
         </p:txBody>
